--- a/docs/SRS/SystemContextFigure.pptx
+++ b/docs/SRS/SystemContextFigure.pptx
@@ -304,7 +304,7 @@
           <a:p>
             <a:fld id="{779256A2-DE0C-7447-B687-786F38514E8C}" type="datetimeFigureOut">
               <a:rPr lang="en-US" smtClean="0"/>
-              <a:t>9/4/19</a:t>
+              <a:t>1/30/25</a:t>
             </a:fld>
             <a:endParaRPr lang="en-US"/>
           </a:p>
@@ -474,7 +474,7 @@
           <a:p>
             <a:fld id="{779256A2-DE0C-7447-B687-786F38514E8C}" type="datetimeFigureOut">
               <a:rPr lang="en-US" smtClean="0"/>
-              <a:t>9/4/19</a:t>
+              <a:t>1/30/25</a:t>
             </a:fld>
             <a:endParaRPr lang="en-US"/>
           </a:p>
@@ -654,7 +654,7 @@
           <a:p>
             <a:fld id="{779256A2-DE0C-7447-B687-786F38514E8C}" type="datetimeFigureOut">
               <a:rPr lang="en-US" smtClean="0"/>
-              <a:t>9/4/19</a:t>
+              <a:t>1/30/25</a:t>
             </a:fld>
             <a:endParaRPr lang="en-US"/>
           </a:p>
@@ -824,7 +824,7 @@
           <a:p>
             <a:fld id="{779256A2-DE0C-7447-B687-786F38514E8C}" type="datetimeFigureOut">
               <a:rPr lang="en-US" smtClean="0"/>
-              <a:t>9/4/19</a:t>
+              <a:t>1/30/25</a:t>
             </a:fld>
             <a:endParaRPr lang="en-US"/>
           </a:p>
@@ -1070,7 +1070,7 @@
           <a:p>
             <a:fld id="{779256A2-DE0C-7447-B687-786F38514E8C}" type="datetimeFigureOut">
               <a:rPr lang="en-US" smtClean="0"/>
-              <a:t>9/4/19</a:t>
+              <a:t>1/30/25</a:t>
             </a:fld>
             <a:endParaRPr lang="en-US"/>
           </a:p>
@@ -1358,7 +1358,7 @@
           <a:p>
             <a:fld id="{779256A2-DE0C-7447-B687-786F38514E8C}" type="datetimeFigureOut">
               <a:rPr lang="en-US" smtClean="0"/>
-              <a:t>9/4/19</a:t>
+              <a:t>1/30/25</a:t>
             </a:fld>
             <a:endParaRPr lang="en-US"/>
           </a:p>
@@ -1780,7 +1780,7 @@
           <a:p>
             <a:fld id="{779256A2-DE0C-7447-B687-786F38514E8C}" type="datetimeFigureOut">
               <a:rPr lang="en-US" smtClean="0"/>
-              <a:t>9/4/19</a:t>
+              <a:t>1/30/25</a:t>
             </a:fld>
             <a:endParaRPr lang="en-US"/>
           </a:p>
@@ -1898,7 +1898,7 @@
           <a:p>
             <a:fld id="{779256A2-DE0C-7447-B687-786F38514E8C}" type="datetimeFigureOut">
               <a:rPr lang="en-US" smtClean="0"/>
-              <a:t>9/4/19</a:t>
+              <a:t>1/30/25</a:t>
             </a:fld>
             <a:endParaRPr lang="en-US"/>
           </a:p>
@@ -1993,7 +1993,7 @@
           <a:p>
             <a:fld id="{779256A2-DE0C-7447-B687-786F38514E8C}" type="datetimeFigureOut">
               <a:rPr lang="en-US" smtClean="0"/>
-              <a:t>9/4/19</a:t>
+              <a:t>1/30/25</a:t>
             </a:fld>
             <a:endParaRPr lang="en-US"/>
           </a:p>
@@ -2270,7 +2270,7 @@
           <a:p>
             <a:fld id="{779256A2-DE0C-7447-B687-786F38514E8C}" type="datetimeFigureOut">
               <a:rPr lang="en-US" smtClean="0"/>
-              <a:t>9/4/19</a:t>
+              <a:t>1/30/25</a:t>
             </a:fld>
             <a:endParaRPr lang="en-US"/>
           </a:p>
@@ -2523,7 +2523,7 @@
           <a:p>
             <a:fld id="{779256A2-DE0C-7447-B687-786F38514E8C}" type="datetimeFigureOut">
               <a:rPr lang="en-US" smtClean="0"/>
-              <a:t>9/4/19</a:t>
+              <a:t>1/30/25</a:t>
             </a:fld>
             <a:endParaRPr lang="en-US"/>
           </a:p>
@@ -2736,7 +2736,7 @@
           <a:p>
             <a:fld id="{779256A2-DE0C-7447-B687-786F38514E8C}" type="datetimeFigureOut">
               <a:rPr lang="en-US" smtClean="0"/>
-              <a:t>9/4/19</a:t>
+              <a:t>1/30/25</a:t>
             </a:fld>
             <a:endParaRPr lang="en-US"/>
           </a:p>
@@ -3119,10 +3119,10 @@
         </p:nvGrpSpPr>
         <p:grpSpPr>
           <a:xfrm>
-            <a:off x="189913" y="2868373"/>
-            <a:ext cx="8858711" cy="1252941"/>
-            <a:chOff x="189913" y="3381165"/>
-            <a:chExt cx="8858711" cy="1252941"/>
+            <a:off x="189913" y="2690336"/>
+            <a:ext cx="8858711" cy="1430978"/>
+            <a:chOff x="189913" y="3203128"/>
+            <a:chExt cx="8858711" cy="1430978"/>
           </a:xfrm>
         </p:grpSpPr>
         <p:grpSp>
@@ -3333,9 +3333,9 @@
           <p:grpSpPr>
             <a:xfrm>
               <a:off x="3885481" y="3381165"/>
-              <a:ext cx="1523744" cy="1246370"/>
+              <a:ext cx="1483694" cy="1246370"/>
               <a:chOff x="3703297" y="1721177"/>
-              <a:chExt cx="1523744" cy="1246370"/>
+              <a:chExt cx="1483694" cy="1246370"/>
             </a:xfrm>
           </p:grpSpPr>
           <p:sp>
@@ -3395,7 +3395,7 @@
             <p:spPr>
               <a:xfrm>
                 <a:off x="3726309" y="2113529"/>
-                <a:ext cx="1500732" cy="461665"/>
+                <a:ext cx="1460682" cy="461665"/>
               </a:xfrm>
               <a:prstGeom prst="rect">
                 <a:avLst/>
@@ -3403,17 +3403,18 @@
               <a:noFill/>
             </p:spPr>
             <p:txBody>
-              <a:bodyPr wrap="none" rtlCol="0">
+              <a:bodyPr wrap="square" rtlCol="0">
                 <a:spAutoFit/>
               </a:bodyPr>
               <a:lstStyle/>
               <a:p>
+                <a:pPr algn="ctr"/>
                 <a:r>
                   <a:rPr lang="en-US" sz="2400" dirty="0" err="1">
                     <a:latin typeface="Times New Roman"/>
                     <a:cs typeface="Times New Roman"/>
                   </a:rPr>
-                  <a:t>ProgName</a:t>
+                  <a:t>OCRacle</a:t>
                 </a:r>
                 <a:endParaRPr lang="en-US" sz="2400" dirty="0">
                   <a:latin typeface="Times New Roman"/>
@@ -3508,8 +3509,8 @@
           </p:nvSpPr>
           <p:spPr>
             <a:xfrm>
-              <a:off x="1745191" y="3577615"/>
-              <a:ext cx="1114408" cy="369332"/>
+              <a:off x="1700488" y="3210912"/>
+              <a:ext cx="1920719" cy="738664"/>
             </a:xfrm>
             <a:prstGeom prst="rect">
               <a:avLst/>
@@ -3523,11 +3524,29 @@
             <a:lstStyle/>
             <a:p>
               <a:r>
-                <a:rPr lang="en-US" dirty="0">
+                <a:rPr lang="en-US" sz="1400" b="1" dirty="0">
                   <a:latin typeface="Times New Roman"/>
                   <a:cs typeface="Times New Roman"/>
                 </a:rPr>
-                <a:t>Inputs: …</a:t>
+                <a:t>Inputs:</a:t>
+              </a:r>
+            </a:p>
+            <a:p>
+              <a:r>
+                <a:rPr lang="en-US" sz="1400" dirty="0">
+                  <a:latin typeface="Times New Roman"/>
+                  <a:cs typeface="Times New Roman"/>
+                </a:rPr>
+                <a:t>Image containing</a:t>
+              </a:r>
+            </a:p>
+            <a:p>
+              <a:r>
+                <a:rPr lang="en-US" sz="1400" dirty="0">
+                  <a:latin typeface="Times New Roman"/>
+                  <a:cs typeface="Times New Roman"/>
+                </a:rPr>
+                <a:t>Latin alphabet character</a:t>
               </a:r>
             </a:p>
           </p:txBody>
@@ -3540,8 +3559,8 @@
           </p:nvSpPr>
           <p:spPr>
             <a:xfrm>
-              <a:off x="5369175" y="3577615"/>
-              <a:ext cx="1268296" cy="369332"/>
+              <a:off x="5700730" y="3203128"/>
+              <a:ext cx="1770036" cy="738664"/>
             </a:xfrm>
             <a:prstGeom prst="rect">
               <a:avLst/>
@@ -3555,11 +3574,29 @@
             <a:lstStyle/>
             <a:p>
               <a:r>
-                <a:rPr lang="en-US" dirty="0">
+                <a:rPr lang="en-US" sz="1400" b="1" dirty="0">
                   <a:latin typeface="Times New Roman"/>
                   <a:cs typeface="Times New Roman"/>
                 </a:rPr>
-                <a:t>Outputs: …</a:t>
+                <a:t>Outputs:</a:t>
+              </a:r>
+            </a:p>
+            <a:p>
+              <a:r>
+                <a:rPr lang="en-US" sz="1400" dirty="0">
+                  <a:latin typeface="Times New Roman"/>
+                  <a:cs typeface="Times New Roman"/>
+                </a:rPr>
+                <a:t>- Character Prediction</a:t>
+              </a:r>
+            </a:p>
+            <a:p>
+              <a:r>
+                <a:rPr lang="en-US" sz="1400" dirty="0">
+                  <a:latin typeface="Times New Roman"/>
+                  <a:cs typeface="Times New Roman"/>
+                </a:rPr>
+                <a:t>- Confidence Score</a:t>
               </a:r>
             </a:p>
           </p:txBody>

--- a/docs/SRS/SystemContextFigure.pptx
+++ b/docs/SRS/SystemContextFigure.pptx
@@ -6,6 +6,7 @@
   </p:sldMasterIdLst>
   <p:sldIdLst>
     <p:sldId id="256" r:id="rId2"/>
+    <p:sldId id="257" r:id="rId3"/>
   </p:sldIdLst>
   <p:sldSz cx="9144000" cy="6858000" type="screen4x3"/>
   <p:notesSz cx="6858000" cy="9144000"/>
@@ -304,7 +305,7 @@
           <a:p>
             <a:fld id="{779256A2-DE0C-7447-B687-786F38514E8C}" type="datetimeFigureOut">
               <a:rPr lang="en-US" smtClean="0"/>
-              <a:t>1/30/25</a:t>
+              <a:t>2/5/25</a:t>
             </a:fld>
             <a:endParaRPr lang="en-US"/>
           </a:p>
@@ -474,7 +475,7 @@
           <a:p>
             <a:fld id="{779256A2-DE0C-7447-B687-786F38514E8C}" type="datetimeFigureOut">
               <a:rPr lang="en-US" smtClean="0"/>
-              <a:t>1/30/25</a:t>
+              <a:t>2/5/25</a:t>
             </a:fld>
             <a:endParaRPr lang="en-US"/>
           </a:p>
@@ -654,7 +655,7 @@
           <a:p>
             <a:fld id="{779256A2-DE0C-7447-B687-786F38514E8C}" type="datetimeFigureOut">
               <a:rPr lang="en-US" smtClean="0"/>
-              <a:t>1/30/25</a:t>
+              <a:t>2/5/25</a:t>
             </a:fld>
             <a:endParaRPr lang="en-US"/>
           </a:p>
@@ -824,7 +825,7 @@
           <a:p>
             <a:fld id="{779256A2-DE0C-7447-B687-786F38514E8C}" type="datetimeFigureOut">
               <a:rPr lang="en-US" smtClean="0"/>
-              <a:t>1/30/25</a:t>
+              <a:t>2/5/25</a:t>
             </a:fld>
             <a:endParaRPr lang="en-US"/>
           </a:p>
@@ -1070,7 +1071,7 @@
           <a:p>
             <a:fld id="{779256A2-DE0C-7447-B687-786F38514E8C}" type="datetimeFigureOut">
               <a:rPr lang="en-US" smtClean="0"/>
-              <a:t>1/30/25</a:t>
+              <a:t>2/5/25</a:t>
             </a:fld>
             <a:endParaRPr lang="en-US"/>
           </a:p>
@@ -1358,7 +1359,7 @@
           <a:p>
             <a:fld id="{779256A2-DE0C-7447-B687-786F38514E8C}" type="datetimeFigureOut">
               <a:rPr lang="en-US" smtClean="0"/>
-              <a:t>1/30/25</a:t>
+              <a:t>2/5/25</a:t>
             </a:fld>
             <a:endParaRPr lang="en-US"/>
           </a:p>
@@ -1780,7 +1781,7 @@
           <a:p>
             <a:fld id="{779256A2-DE0C-7447-B687-786F38514E8C}" type="datetimeFigureOut">
               <a:rPr lang="en-US" smtClean="0"/>
-              <a:t>1/30/25</a:t>
+              <a:t>2/5/25</a:t>
             </a:fld>
             <a:endParaRPr lang="en-US"/>
           </a:p>
@@ -1898,7 +1899,7 @@
           <a:p>
             <a:fld id="{779256A2-DE0C-7447-B687-786F38514E8C}" type="datetimeFigureOut">
               <a:rPr lang="en-US" smtClean="0"/>
-              <a:t>1/30/25</a:t>
+              <a:t>2/5/25</a:t>
             </a:fld>
             <a:endParaRPr lang="en-US"/>
           </a:p>
@@ -1993,7 +1994,7 @@
           <a:p>
             <a:fld id="{779256A2-DE0C-7447-B687-786F38514E8C}" type="datetimeFigureOut">
               <a:rPr lang="en-US" smtClean="0"/>
-              <a:t>1/30/25</a:t>
+              <a:t>2/5/25</a:t>
             </a:fld>
             <a:endParaRPr lang="en-US"/>
           </a:p>
@@ -2270,7 +2271,7 @@
           <a:p>
             <a:fld id="{779256A2-DE0C-7447-B687-786F38514E8C}" type="datetimeFigureOut">
               <a:rPr lang="en-US" smtClean="0"/>
-              <a:t>1/30/25</a:t>
+              <a:t>2/5/25</a:t>
             </a:fld>
             <a:endParaRPr lang="en-US"/>
           </a:p>
@@ -2523,7 +2524,7 @@
           <a:p>
             <a:fld id="{779256A2-DE0C-7447-B687-786F38514E8C}" type="datetimeFigureOut">
               <a:rPr lang="en-US" smtClean="0"/>
-              <a:t>1/30/25</a:t>
+              <a:t>2/5/25</a:t>
             </a:fld>
             <a:endParaRPr lang="en-US"/>
           </a:p>
@@ -2736,7 +2737,7 @@
           <a:p>
             <a:fld id="{779256A2-DE0C-7447-B687-786F38514E8C}" type="datetimeFigureOut">
               <a:rPr lang="en-US" smtClean="0"/>
-              <a:t>1/30/25</a:t>
+              <a:t>2/5/25</a:t>
             </a:fld>
             <a:endParaRPr lang="en-US"/>
           </a:p>
@@ -3119,10 +3120,10 @@
         </p:nvGrpSpPr>
         <p:grpSpPr>
           <a:xfrm>
-            <a:off x="189913" y="2690336"/>
-            <a:ext cx="8858711" cy="1430978"/>
-            <a:chOff x="189913" y="3203128"/>
-            <a:chExt cx="8858711" cy="1430978"/>
+            <a:off x="189913" y="2698120"/>
+            <a:ext cx="8858711" cy="1423194"/>
+            <a:chOff x="189913" y="3210912"/>
+            <a:chExt cx="8858711" cy="1423194"/>
           </a:xfrm>
         </p:grpSpPr>
         <p:grpSp>
@@ -3206,8 +3207,8 @@
               </p:nvSpPr>
               <p:spPr>
                 <a:xfrm>
-                  <a:off x="1673605" y="2052185"/>
-                  <a:ext cx="762949" cy="461665"/>
+                  <a:off x="1681048" y="1956884"/>
+                  <a:ext cx="766557" cy="830997"/>
                 </a:xfrm>
                 <a:prstGeom prst="rect">
                   <a:avLst/>
@@ -3219,6 +3220,16 @@
                   <a:spAutoFit/>
                 </a:bodyPr>
                 <a:lstStyle/>
+                <a:p>
+                  <a:pPr algn="ctr"/>
+                  <a:r>
+                    <a:rPr lang="en-US" sz="2400" dirty="0">
+                      <a:latin typeface="Times New Roman"/>
+                      <a:cs typeface="Times New Roman"/>
+                    </a:rPr>
+                    <a:t>End</a:t>
+                  </a:r>
+                </a:p>
                 <a:p>
                   <a:r>
                     <a:rPr lang="en-US" sz="2400" dirty="0">
@@ -3298,8 +3309,8 @@
               </p:nvSpPr>
               <p:spPr>
                 <a:xfrm>
-                  <a:off x="1673605" y="2052185"/>
-                  <a:ext cx="762949" cy="461665"/>
+                  <a:off x="1684147" y="1922292"/>
+                  <a:ext cx="766557" cy="830997"/>
                 </a:xfrm>
                 <a:prstGeom prst="rect">
                   <a:avLst/>
@@ -3312,6 +3323,17 @@
                 </a:bodyPr>
                 <a:lstStyle/>
                 <a:p>
+                  <a:pPr algn="ctr"/>
+                  <a:r>
+                    <a:rPr lang="en-US" sz="2400" dirty="0">
+                      <a:latin typeface="Times New Roman"/>
+                      <a:cs typeface="Times New Roman"/>
+                    </a:rPr>
+                    <a:t>End</a:t>
+                  </a:r>
+                </a:p>
+                <a:p>
+                  <a:pPr algn="ctr"/>
                   <a:r>
                     <a:rPr lang="en-US" sz="2400" dirty="0">
                       <a:latin typeface="Times New Roman"/>
@@ -3394,8 +3416,8 @@
             </p:nvSpPr>
             <p:spPr>
               <a:xfrm>
-                <a:off x="3726309" y="2113529"/>
-                <a:ext cx="1460682" cy="461665"/>
+                <a:off x="3726308" y="1912472"/>
+                <a:ext cx="1460682" cy="830997"/>
               </a:xfrm>
               <a:prstGeom prst="rect">
                 <a:avLst/>
@@ -3420,6 +3442,16 @@
                   <a:latin typeface="Times New Roman"/>
                   <a:cs typeface="Times New Roman"/>
                 </a:endParaRPr>
+              </a:p>
+              <a:p>
+                <a:pPr algn="ctr"/>
+                <a:r>
+                  <a:rPr lang="en-US" sz="2400" dirty="0">
+                    <a:latin typeface="Times New Roman"/>
+                    <a:cs typeface="Times New Roman"/>
+                  </a:rPr>
+                  <a:t>Model</a:t>
+                </a:r>
               </a:p>
             </p:txBody>
           </p:sp>
@@ -3537,7 +3569,7 @@
                   <a:latin typeface="Times New Roman"/>
                   <a:cs typeface="Times New Roman"/>
                 </a:rPr>
-                <a:t>Image containing</a:t>
+                <a:t>- Image containing</a:t>
               </a:r>
             </a:p>
             <a:p>
@@ -3559,8 +3591,656 @@
           </p:nvSpPr>
           <p:spPr>
             <a:xfrm>
-              <a:off x="5700730" y="3203128"/>
-              <a:ext cx="1770036" cy="738664"/>
+              <a:off x="5608558" y="3230982"/>
+              <a:ext cx="1954381" cy="738664"/>
+            </a:xfrm>
+            <a:prstGeom prst="rect">
+              <a:avLst/>
+            </a:prstGeom>
+            <a:noFill/>
+          </p:spPr>
+          <p:txBody>
+            <a:bodyPr wrap="none" rtlCol="0">
+              <a:spAutoFit/>
+            </a:bodyPr>
+            <a:lstStyle/>
+            <a:p>
+              <a:r>
+                <a:rPr lang="en-US" sz="1400" b="1" dirty="0">
+                  <a:latin typeface="Times New Roman"/>
+                  <a:cs typeface="Times New Roman"/>
+                </a:rPr>
+                <a:t>Outputs:</a:t>
+              </a:r>
+            </a:p>
+            <a:p>
+              <a:pPr marL="285750" indent="-285750">
+                <a:buFontTx/>
+                <a:buChar char="-"/>
+              </a:pPr>
+              <a:r>
+                <a:rPr lang="en-US" sz="1400" dirty="0">
+                  <a:latin typeface="Times New Roman"/>
+                  <a:cs typeface="Times New Roman"/>
+                </a:rPr>
+                <a:t>Character Prediction</a:t>
+              </a:r>
+            </a:p>
+            <a:p>
+              <a:pPr marL="285750" indent="-285750">
+                <a:buFontTx/>
+                <a:buChar char="-"/>
+              </a:pPr>
+              <a:r>
+                <a:rPr lang="en-US" sz="1400" dirty="0">
+                  <a:latin typeface="Times New Roman"/>
+                  <a:cs typeface="Times New Roman"/>
+                </a:rPr>
+                <a:t>Probability Vector</a:t>
+              </a:r>
+            </a:p>
+          </p:txBody>
+        </p:sp>
+      </p:grpSp>
+    </p:spTree>
+    <p:extLst>
+      <p:ext uri="{BB962C8B-B14F-4D97-AF65-F5344CB8AC3E}">
+        <p14:creationId xmlns:p14="http://schemas.microsoft.com/office/powerpoint/2010/main" val="2981099056"/>
+      </p:ext>
+    </p:extLst>
+  </p:cSld>
+  <p:clrMapOvr>
+    <a:masterClrMapping/>
+  </p:clrMapOvr>
+</p:sld>
+</file>
+
+<file path=ppt/slides/slide2.xml><?xml version="1.0" encoding="utf-8"?>
+<p:sld xmlns:a="http://schemas.openxmlformats.org/drawingml/2006/main" xmlns:r="http://schemas.openxmlformats.org/officeDocument/2006/relationships" xmlns:p="http://schemas.openxmlformats.org/presentationml/2006/main">
+  <p:cSld>
+    <p:spTree>
+      <p:nvGrpSpPr>
+        <p:cNvPr id="1" name="">
+          <a:extLst>
+            <a:ext uri="{FF2B5EF4-FFF2-40B4-BE49-F238E27FC236}">
+              <a16:creationId xmlns:a16="http://schemas.microsoft.com/office/drawing/2014/main" id="{898EF539-9821-947C-0C41-6DCE12A55087}"/>
+            </a:ext>
+          </a:extLst>
+        </p:cNvPr>
+        <p:cNvGrpSpPr/>
+        <p:nvPr/>
+      </p:nvGrpSpPr>
+      <p:grpSpPr>
+        <a:xfrm>
+          <a:off x="0" y="0"/>
+          <a:ext cx="0" cy="0"/>
+          <a:chOff x="0" y="0"/>
+          <a:chExt cx="0" cy="0"/>
+        </a:xfrm>
+      </p:grpSpPr>
+      <p:grpSp>
+        <p:nvGrpSpPr>
+          <p:cNvPr id="90" name="Group 89">
+            <a:extLst>
+              <a:ext uri="{FF2B5EF4-FFF2-40B4-BE49-F238E27FC236}">
+                <a16:creationId xmlns:a16="http://schemas.microsoft.com/office/drawing/2014/main" id="{0DBC93FE-8D14-06BB-506C-DA708EF3ADF9}"/>
+              </a:ext>
+            </a:extLst>
+          </p:cNvPr>
+          <p:cNvGrpSpPr/>
+          <p:nvPr/>
+        </p:nvGrpSpPr>
+        <p:grpSpPr>
+          <a:xfrm>
+            <a:off x="189913" y="2821020"/>
+            <a:ext cx="8858711" cy="1300294"/>
+            <a:chOff x="189913" y="3333812"/>
+            <a:chExt cx="8858711" cy="1300294"/>
+          </a:xfrm>
+        </p:grpSpPr>
+        <p:grpSp>
+          <p:nvGrpSpPr>
+            <p:cNvPr id="10" name="Group 9">
+              <a:extLst>
+                <a:ext uri="{FF2B5EF4-FFF2-40B4-BE49-F238E27FC236}">
+                  <a16:creationId xmlns:a16="http://schemas.microsoft.com/office/drawing/2014/main" id="{150E4955-E5A4-4C0A-5206-3877B9649D94}"/>
+                </a:ext>
+              </a:extLst>
+            </p:cNvPr>
+            <p:cNvGrpSpPr/>
+            <p:nvPr/>
+          </p:nvGrpSpPr>
+          <p:grpSpPr>
+            <a:xfrm>
+              <a:off x="189913" y="3387736"/>
+              <a:ext cx="8858711" cy="1246370"/>
+              <a:chOff x="189913" y="1721177"/>
+              <a:chExt cx="8858711" cy="1246370"/>
+            </a:xfrm>
+          </p:grpSpPr>
+          <p:grpSp>
+            <p:nvGrpSpPr>
+              <p:cNvPr id="6" name="Group 5">
+                <a:extLst>
+                  <a:ext uri="{FF2B5EF4-FFF2-40B4-BE49-F238E27FC236}">
+                    <a16:creationId xmlns:a16="http://schemas.microsoft.com/office/drawing/2014/main" id="{8E09F4C2-E94D-987E-5E47-B58991046D86}"/>
+                  </a:ext>
+                </a:extLst>
+              </p:cNvPr>
+              <p:cNvGrpSpPr/>
+              <p:nvPr/>
+            </p:nvGrpSpPr>
+            <p:grpSpPr>
+              <a:xfrm>
+                <a:off x="189913" y="1721177"/>
+                <a:ext cx="1246302" cy="1246370"/>
+                <a:chOff x="1436215" y="1721177"/>
+                <a:chExt cx="1246302" cy="1246370"/>
+              </a:xfrm>
+            </p:grpSpPr>
+            <p:sp>
+              <p:nvSpPr>
+                <p:cNvPr id="4" name="Oval 3">
+                  <a:extLst>
+                    <a:ext uri="{FF2B5EF4-FFF2-40B4-BE49-F238E27FC236}">
+                      <a16:creationId xmlns:a16="http://schemas.microsoft.com/office/drawing/2014/main" id="{2DCF840B-377D-0394-C5F6-441F8FE49E0E}"/>
+                    </a:ext>
+                  </a:extLst>
+                </p:cNvPr>
+                <p:cNvSpPr/>
+                <p:nvPr/>
+              </p:nvSpPr>
+              <p:spPr>
+                <a:xfrm>
+                  <a:off x="1436215" y="1721177"/>
+                  <a:ext cx="1246302" cy="1246370"/>
+                </a:xfrm>
+                <a:prstGeom prst="ellipse">
+                  <a:avLst/>
+                </a:prstGeom>
+                <a:noFill/>
+                <a:ln w="38100" cmpd="sng">
+                  <a:solidFill>
+                    <a:schemeClr val="tx1"/>
+                  </a:solidFill>
+                </a:ln>
+                <a:effectLst/>
+              </p:spPr>
+              <p:style>
+                <a:lnRef idx="1">
+                  <a:schemeClr val="accent1"/>
+                </a:lnRef>
+                <a:fillRef idx="3">
+                  <a:schemeClr val="accent1"/>
+                </a:fillRef>
+                <a:effectRef idx="2">
+                  <a:schemeClr val="accent1"/>
+                </a:effectRef>
+                <a:fontRef idx="minor">
+                  <a:schemeClr val="lt1"/>
+                </a:fontRef>
+              </p:style>
+              <p:txBody>
+                <a:bodyPr rtlCol="0" anchor="ctr"/>
+                <a:lstStyle/>
+                <a:p>
+                  <a:pPr algn="ctr"/>
+                  <a:endParaRPr lang="en-US"/>
+                </a:p>
+              </p:txBody>
+            </p:sp>
+            <p:sp>
+              <p:nvSpPr>
+                <p:cNvPr id="5" name="TextBox 4">
+                  <a:extLst>
+                    <a:ext uri="{FF2B5EF4-FFF2-40B4-BE49-F238E27FC236}">
+                      <a16:creationId xmlns:a16="http://schemas.microsoft.com/office/drawing/2014/main" id="{544F6A14-2531-BFBF-3EA7-B948BB94BDEC}"/>
+                    </a:ext>
+                  </a:extLst>
+                </p:cNvPr>
+                <p:cNvSpPr txBox="1"/>
+                <p:nvPr/>
+              </p:nvSpPr>
+              <p:spPr>
+                <a:xfrm>
+                  <a:off x="1519827" y="2052482"/>
+                  <a:ext cx="1079078" cy="646331"/>
+                </a:xfrm>
+                <a:prstGeom prst="rect">
+                  <a:avLst/>
+                </a:prstGeom>
+                <a:noFill/>
+              </p:spPr>
+              <p:txBody>
+                <a:bodyPr wrap="none" rtlCol="0">
+                  <a:spAutoFit/>
+                </a:bodyPr>
+                <a:lstStyle/>
+                <a:p>
+                  <a:pPr algn="ctr"/>
+                  <a:r>
+                    <a:rPr lang="en-US" dirty="0">
+                      <a:latin typeface="Times New Roman"/>
+                      <a:cs typeface="Times New Roman"/>
+                    </a:rPr>
+                    <a:t>Technical</a:t>
+                  </a:r>
+                </a:p>
+                <a:p>
+                  <a:pPr algn="ctr"/>
+                  <a:r>
+                    <a:rPr lang="en-US" dirty="0">
+                      <a:latin typeface="Times New Roman"/>
+                      <a:cs typeface="Times New Roman"/>
+                    </a:rPr>
+                    <a:t>User</a:t>
+                  </a:r>
+                </a:p>
+              </p:txBody>
+            </p:sp>
+          </p:grpSp>
+          <p:grpSp>
+            <p:nvGrpSpPr>
+              <p:cNvPr id="7" name="Group 6">
+                <a:extLst>
+                  <a:ext uri="{FF2B5EF4-FFF2-40B4-BE49-F238E27FC236}">
+                    <a16:creationId xmlns:a16="http://schemas.microsoft.com/office/drawing/2014/main" id="{F885C8DD-E4B2-D07A-D203-6080F593BC7D}"/>
+                  </a:ext>
+                </a:extLst>
+              </p:cNvPr>
+              <p:cNvGrpSpPr/>
+              <p:nvPr/>
+            </p:nvGrpSpPr>
+            <p:grpSpPr>
+              <a:xfrm>
+                <a:off x="7802322" y="1721177"/>
+                <a:ext cx="1246302" cy="1246370"/>
+                <a:chOff x="1436215" y="1721177"/>
+                <a:chExt cx="1246302" cy="1246370"/>
+              </a:xfrm>
+            </p:grpSpPr>
+            <p:sp>
+              <p:nvSpPr>
+                <p:cNvPr id="8" name="Oval 7">
+                  <a:extLst>
+                    <a:ext uri="{FF2B5EF4-FFF2-40B4-BE49-F238E27FC236}">
+                      <a16:creationId xmlns:a16="http://schemas.microsoft.com/office/drawing/2014/main" id="{3E28FC0C-B0FA-87EB-43BB-67035A70D524}"/>
+                    </a:ext>
+                  </a:extLst>
+                </p:cNvPr>
+                <p:cNvSpPr/>
+                <p:nvPr/>
+              </p:nvSpPr>
+              <p:spPr>
+                <a:xfrm>
+                  <a:off x="1436215" y="1721177"/>
+                  <a:ext cx="1246302" cy="1246370"/>
+                </a:xfrm>
+                <a:prstGeom prst="ellipse">
+                  <a:avLst/>
+                </a:prstGeom>
+                <a:noFill/>
+                <a:ln w="38100" cmpd="sng">
+                  <a:solidFill>
+                    <a:schemeClr val="tx1"/>
+                  </a:solidFill>
+                </a:ln>
+                <a:effectLst/>
+              </p:spPr>
+              <p:style>
+                <a:lnRef idx="1">
+                  <a:schemeClr val="accent1"/>
+                </a:lnRef>
+                <a:fillRef idx="3">
+                  <a:schemeClr val="accent1"/>
+                </a:fillRef>
+                <a:effectRef idx="2">
+                  <a:schemeClr val="accent1"/>
+                </a:effectRef>
+                <a:fontRef idx="minor">
+                  <a:schemeClr val="lt1"/>
+                </a:fontRef>
+              </p:style>
+              <p:txBody>
+                <a:bodyPr rtlCol="0" anchor="ctr"/>
+                <a:lstStyle/>
+                <a:p>
+                  <a:pPr algn="ctr"/>
+                  <a:endParaRPr lang="en-US"/>
+                </a:p>
+              </p:txBody>
+            </p:sp>
+            <p:sp>
+              <p:nvSpPr>
+                <p:cNvPr id="9" name="TextBox 8">
+                  <a:extLst>
+                    <a:ext uri="{FF2B5EF4-FFF2-40B4-BE49-F238E27FC236}">
+                      <a16:creationId xmlns:a16="http://schemas.microsoft.com/office/drawing/2014/main" id="{00E65D44-3D0D-AB40-1D8D-8F2A46E69570}"/>
+                    </a:ext>
+                  </a:extLst>
+                </p:cNvPr>
+                <p:cNvSpPr txBox="1"/>
+                <p:nvPr/>
+              </p:nvSpPr>
+              <p:spPr>
+                <a:xfrm>
+                  <a:off x="1519827" y="2052482"/>
+                  <a:ext cx="1079078" cy="646331"/>
+                </a:xfrm>
+                <a:prstGeom prst="rect">
+                  <a:avLst/>
+                </a:prstGeom>
+                <a:noFill/>
+              </p:spPr>
+              <p:txBody>
+                <a:bodyPr wrap="none" rtlCol="0">
+                  <a:spAutoFit/>
+                </a:bodyPr>
+                <a:lstStyle/>
+                <a:p>
+                  <a:pPr algn="ctr"/>
+                  <a:r>
+                    <a:rPr lang="en-US" dirty="0">
+                      <a:latin typeface="Times New Roman"/>
+                      <a:cs typeface="Times New Roman"/>
+                    </a:rPr>
+                    <a:t>Technical</a:t>
+                  </a:r>
+                </a:p>
+                <a:p>
+                  <a:pPr algn="ctr"/>
+                  <a:r>
+                    <a:rPr lang="en-US" dirty="0">
+                      <a:latin typeface="Times New Roman"/>
+                      <a:cs typeface="Times New Roman"/>
+                    </a:rPr>
+                    <a:t>User</a:t>
+                  </a:r>
+                </a:p>
+              </p:txBody>
+            </p:sp>
+          </p:grpSp>
+        </p:grpSp>
+        <p:grpSp>
+          <p:nvGrpSpPr>
+            <p:cNvPr id="20" name="Group 19">
+              <a:extLst>
+                <a:ext uri="{FF2B5EF4-FFF2-40B4-BE49-F238E27FC236}">
+                  <a16:creationId xmlns:a16="http://schemas.microsoft.com/office/drawing/2014/main" id="{BB995E80-8F6A-AA02-FA18-0ADA3E61E147}"/>
+                </a:ext>
+              </a:extLst>
+            </p:cNvPr>
+            <p:cNvGrpSpPr/>
+            <p:nvPr/>
+          </p:nvGrpSpPr>
+          <p:grpSpPr>
+            <a:xfrm>
+              <a:off x="3885481" y="3381165"/>
+              <a:ext cx="1483694" cy="1246370"/>
+              <a:chOff x="3703297" y="1721177"/>
+              <a:chExt cx="1483694" cy="1246370"/>
+            </a:xfrm>
+          </p:grpSpPr>
+          <p:sp>
+            <p:nvSpPr>
+              <p:cNvPr id="18" name="Rectangle 17">
+                <a:extLst>
+                  <a:ext uri="{FF2B5EF4-FFF2-40B4-BE49-F238E27FC236}">
+                    <a16:creationId xmlns:a16="http://schemas.microsoft.com/office/drawing/2014/main" id="{4D374492-C53F-ED3A-3F2F-944956D94B6A}"/>
+                  </a:ext>
+                </a:extLst>
+              </p:cNvPr>
+              <p:cNvSpPr/>
+              <p:nvPr/>
+            </p:nvSpPr>
+            <p:spPr>
+              <a:xfrm>
+                <a:off x="3703297" y="1721177"/>
+                <a:ext cx="1483694" cy="1246370"/>
+              </a:xfrm>
+              <a:prstGeom prst="rect">
+                <a:avLst/>
+              </a:prstGeom>
+              <a:noFill/>
+              <a:ln w="38100" cmpd="sng">
+                <a:solidFill>
+                  <a:schemeClr val="tx1"/>
+                </a:solidFill>
+              </a:ln>
+              <a:effectLst/>
+            </p:spPr>
+            <p:style>
+              <a:lnRef idx="1">
+                <a:schemeClr val="accent1"/>
+              </a:lnRef>
+              <a:fillRef idx="3">
+                <a:schemeClr val="accent1"/>
+              </a:fillRef>
+              <a:effectRef idx="2">
+                <a:schemeClr val="accent1"/>
+              </a:effectRef>
+              <a:fontRef idx="minor">
+                <a:schemeClr val="lt1"/>
+              </a:fontRef>
+            </p:style>
+            <p:txBody>
+              <a:bodyPr rtlCol="0" anchor="ctr"/>
+              <a:lstStyle/>
+              <a:p>
+                <a:pPr algn="ctr"/>
+                <a:r>
+                  <a:rPr lang="en-US"/>
+                  <a:t>`</a:t>
+                </a:r>
+              </a:p>
+            </p:txBody>
+          </p:sp>
+          <p:sp>
+            <p:nvSpPr>
+              <p:cNvPr id="19" name="TextBox 18">
+                <a:extLst>
+                  <a:ext uri="{FF2B5EF4-FFF2-40B4-BE49-F238E27FC236}">
+                    <a16:creationId xmlns:a16="http://schemas.microsoft.com/office/drawing/2014/main" id="{4575DE2D-8CA6-D6E2-ABA6-B3DFA41E1818}"/>
+                  </a:ext>
+                </a:extLst>
+              </p:cNvPr>
+              <p:cNvSpPr txBox="1"/>
+              <p:nvPr/>
+            </p:nvSpPr>
+            <p:spPr>
+              <a:xfrm>
+                <a:off x="3726308" y="1935434"/>
+                <a:ext cx="1460682" cy="830997"/>
+              </a:xfrm>
+              <a:prstGeom prst="rect">
+                <a:avLst/>
+              </a:prstGeom>
+              <a:noFill/>
+            </p:spPr>
+            <p:txBody>
+              <a:bodyPr wrap="square" rtlCol="0">
+                <a:spAutoFit/>
+              </a:bodyPr>
+              <a:lstStyle/>
+              <a:p>
+                <a:pPr algn="ctr"/>
+                <a:r>
+                  <a:rPr lang="en-US" sz="2400" dirty="0" err="1">
+                    <a:latin typeface="Times New Roman"/>
+                    <a:cs typeface="Times New Roman"/>
+                  </a:rPr>
+                  <a:t>OCRacle</a:t>
+                </a:r>
+                <a:endParaRPr lang="en-US" sz="2400" dirty="0">
+                  <a:latin typeface="Times New Roman"/>
+                  <a:cs typeface="Times New Roman"/>
+                </a:endParaRPr>
+              </a:p>
+              <a:p>
+                <a:pPr algn="ctr"/>
+                <a:r>
+                  <a:rPr lang="en-US" sz="2400" dirty="0">
+                    <a:latin typeface="Times New Roman"/>
+                    <a:cs typeface="Times New Roman"/>
+                  </a:rPr>
+                  <a:t>Training</a:t>
+                </a:r>
+              </a:p>
+            </p:txBody>
+          </p:sp>
+        </p:grpSp>
+        <p:cxnSp>
+          <p:nvCxnSpPr>
+            <p:cNvPr id="25" name="Straight Arrow Connector 24">
+              <a:extLst>
+                <a:ext uri="{FF2B5EF4-FFF2-40B4-BE49-F238E27FC236}">
+                  <a16:creationId xmlns:a16="http://schemas.microsoft.com/office/drawing/2014/main" id="{2CF9FC22-BDAC-FBFA-F33C-676E5D868323}"/>
+                </a:ext>
+              </a:extLst>
+            </p:cNvPr>
+            <p:cNvCxnSpPr>
+              <a:stCxn id="4" idx="6"/>
+              <a:endCxn id="18" idx="1"/>
+            </p:cNvCxnSpPr>
+            <p:nvPr/>
+          </p:nvCxnSpPr>
+          <p:spPr>
+            <a:xfrm flipV="1">
+              <a:off x="1436215" y="4004350"/>
+              <a:ext cx="2449266" cy="6571"/>
+            </a:xfrm>
+            <a:prstGeom prst="straightConnector1">
+              <a:avLst/>
+            </a:prstGeom>
+            <a:ln w="38100" cmpd="sng">
+              <a:solidFill>
+                <a:schemeClr val="tx1"/>
+              </a:solidFill>
+              <a:tailEnd type="arrow"/>
+            </a:ln>
+            <a:effectLst/>
+          </p:spPr>
+          <p:style>
+            <a:lnRef idx="2">
+              <a:schemeClr val="accent1"/>
+            </a:lnRef>
+            <a:fillRef idx="0">
+              <a:schemeClr val="accent1"/>
+            </a:fillRef>
+            <a:effectRef idx="1">
+              <a:schemeClr val="accent1"/>
+            </a:effectRef>
+            <a:fontRef idx="minor">
+              <a:schemeClr val="tx1"/>
+            </a:fontRef>
+          </p:style>
+        </p:cxnSp>
+        <p:cxnSp>
+          <p:nvCxnSpPr>
+            <p:cNvPr id="27" name="Straight Arrow Connector 26">
+              <a:extLst>
+                <a:ext uri="{FF2B5EF4-FFF2-40B4-BE49-F238E27FC236}">
+                  <a16:creationId xmlns:a16="http://schemas.microsoft.com/office/drawing/2014/main" id="{91A91EE6-1ED6-5348-6C04-E38B49B844FA}"/>
+                </a:ext>
+              </a:extLst>
+            </p:cNvPr>
+            <p:cNvCxnSpPr/>
+            <p:nvPr/>
+          </p:nvCxnSpPr>
+          <p:spPr>
+            <a:xfrm>
+              <a:off x="5369175" y="4010921"/>
+              <a:ext cx="2449266" cy="0"/>
+            </a:xfrm>
+            <a:prstGeom prst="straightConnector1">
+              <a:avLst/>
+            </a:prstGeom>
+            <a:ln w="38100" cmpd="sng">
+              <a:solidFill>
+                <a:schemeClr val="tx1"/>
+              </a:solidFill>
+              <a:tailEnd type="arrow"/>
+            </a:ln>
+            <a:effectLst/>
+          </p:spPr>
+          <p:style>
+            <a:lnRef idx="2">
+              <a:schemeClr val="accent1"/>
+            </a:lnRef>
+            <a:fillRef idx="0">
+              <a:schemeClr val="accent1"/>
+            </a:fillRef>
+            <a:effectRef idx="1">
+              <a:schemeClr val="accent1"/>
+            </a:effectRef>
+            <a:fontRef idx="minor">
+              <a:schemeClr val="tx1"/>
+            </a:fontRef>
+          </p:style>
+        </p:cxnSp>
+        <p:sp>
+          <p:nvSpPr>
+            <p:cNvPr id="34" name="TextBox 33">
+              <a:extLst>
+                <a:ext uri="{FF2B5EF4-FFF2-40B4-BE49-F238E27FC236}">
+                  <a16:creationId xmlns:a16="http://schemas.microsoft.com/office/drawing/2014/main" id="{F544C71C-6D32-74B9-F5BC-AEEF9754415B}"/>
+                </a:ext>
+              </a:extLst>
+            </p:cNvPr>
+            <p:cNvSpPr txBox="1"/>
+            <p:nvPr/>
+          </p:nvSpPr>
+          <p:spPr>
+            <a:xfrm>
+              <a:off x="1700487" y="3333812"/>
+              <a:ext cx="1481559" cy="523220"/>
+            </a:xfrm>
+            <a:prstGeom prst="rect">
+              <a:avLst/>
+            </a:prstGeom>
+            <a:noFill/>
+          </p:spPr>
+          <p:txBody>
+            <a:bodyPr wrap="none" rtlCol="0">
+              <a:spAutoFit/>
+            </a:bodyPr>
+            <a:lstStyle/>
+            <a:p>
+              <a:r>
+                <a:rPr lang="en-US" sz="1400" b="1" dirty="0">
+                  <a:latin typeface="Times New Roman"/>
+                  <a:cs typeface="Times New Roman"/>
+                </a:rPr>
+                <a:t>Inputs:</a:t>
+              </a:r>
+            </a:p>
+            <a:p>
+              <a:r>
+                <a:rPr lang="en-US" sz="1400" dirty="0">
+                  <a:latin typeface="Times New Roman"/>
+                  <a:cs typeface="Times New Roman"/>
+                </a:rPr>
+                <a:t>- Training Dataset</a:t>
+              </a:r>
+            </a:p>
+          </p:txBody>
+        </p:sp>
+        <p:sp>
+          <p:nvSpPr>
+            <p:cNvPr id="35" name="TextBox 34">
+              <a:extLst>
+                <a:ext uri="{FF2B5EF4-FFF2-40B4-BE49-F238E27FC236}">
+                  <a16:creationId xmlns:a16="http://schemas.microsoft.com/office/drawing/2014/main" id="{14E9B2B6-681D-0D7E-86E9-3A48422E9CEF}"/>
+                </a:ext>
+              </a:extLst>
+            </p:cNvPr>
+            <p:cNvSpPr txBox="1"/>
+            <p:nvPr/>
+          </p:nvSpPr>
+          <p:spPr>
+            <a:xfrm>
+              <a:off x="5678513" y="3374711"/>
+              <a:ext cx="1351717" cy="523220"/>
             </a:xfrm>
             <a:prstGeom prst="rect">
               <a:avLst/>
@@ -3587,16 +4267,7 @@
                   <a:latin typeface="Times New Roman"/>
                   <a:cs typeface="Times New Roman"/>
                 </a:rPr>
-                <a:t>- Character Prediction</a:t>
-              </a:r>
-            </a:p>
-            <a:p>
-              <a:r>
-                <a:rPr lang="en-US" sz="1400" dirty="0">
-                  <a:latin typeface="Times New Roman"/>
-                  <a:cs typeface="Times New Roman"/>
-                </a:rPr>
-                <a:t>- Confidence Score</a:t>
+                <a:t>- Trained Model</a:t>
               </a:r>
             </a:p>
           </p:txBody>
@@ -3605,7 +4276,7 @@
     </p:spTree>
     <p:extLst>
       <p:ext uri="{BB962C8B-B14F-4D97-AF65-F5344CB8AC3E}">
-        <p14:creationId xmlns:p14="http://schemas.microsoft.com/office/powerpoint/2010/main" val="2981099056"/>
+        <p14:creationId xmlns:p14="http://schemas.microsoft.com/office/powerpoint/2010/main" val="3083722013"/>
       </p:ext>
     </p:extLst>
   </p:cSld>
